--- a/教学课件/16.第十六课  物理系统.pptx
+++ b/教学课件/16.第十六课  物理系统.pptx
@@ -4673,8 +4673,28 @@
               <a:t>Force </a:t>
             </a:r>
             <a:r>
+              <a:rPr lang="zh-CN" altLang="en-US" sz="2400">
+                <a:solidFill>
+                  <a:schemeClr val="tx1"/>
+                </a:solidFill>
+              </a:rPr>
+              <a:t>持续的恒定</a:t>
+            </a:r>
+            <a:r>
               <a:rPr lang="en-US" altLang="zh-CN" sz="2400"/>
-              <a:t>给刚体一个持续的力，会考虑刚体的质量</a:t>
+              <a:t>的力</a:t>
+            </a:r>
+            <a:r>
+              <a:rPr lang="zh-CN" altLang="en-US" sz="2400"/>
+              <a:t>（添加一次即可</a:t>
+            </a:r>
+            <a:r>
+              <a:rPr lang="zh-CN" altLang="en-US" sz="2400"/>
+              <a:t>）</a:t>
+            </a:r>
+            <a:r>
+              <a:rPr lang="en-US" altLang="zh-CN" sz="2400"/>
+              <a:t>，会考虑刚体的质量</a:t>
             </a:r>
             <a:endParaRPr lang="en-US" altLang="zh-CN" sz="2400"/>
           </a:p>
@@ -4695,7 +4715,19 @@
             </a:r>
             <a:r>
               <a:rPr lang="en-US" altLang="zh-CN" sz="2400"/>
-              <a:t>给刚体添加一个持续的加速度，忽略刚体的质量</a:t>
+              <a:t>加速度</a:t>
+            </a:r>
+            <a:r>
+              <a:rPr lang="zh-CN" altLang="en-US" sz="2400"/>
+              <a:t>（需要一直添加才有效</a:t>
+            </a:r>
+            <a:r>
+              <a:rPr lang="zh-CN" altLang="en-US" sz="2400"/>
+              <a:t>）</a:t>
+            </a:r>
+            <a:r>
+              <a:rPr lang="en-US" altLang="zh-CN" sz="2400"/>
+              <a:t>，忽略刚体的质量</a:t>
             </a:r>
             <a:endParaRPr lang="en-US" altLang="zh-CN" sz="2400"/>
           </a:p>
@@ -5682,87 +5714,83 @@
             </a:r>
             <a:r>
               <a:rPr lang="zh-CN" altLang="en-US"/>
-              <a:t>生成若干个自动旋转的</a:t>
+              <a:t>完善塔防游戏的战斗触发</a:t>
+            </a:r>
+            <a:endParaRPr lang="zh-CN" altLang="en-US"/>
+          </a:p>
+          <a:p>
+            <a:pPr fontAlgn="auto">
+              <a:lnSpc>
+                <a:spcPct val="150000"/>
+              </a:lnSpc>
+            </a:pPr>
+            <a:r>
+              <a:rPr lang="zh-CN" altLang="en-US"/>
+              <a:t>用物理系统优化之前用</a:t>
             </a:r>
             <a:r>
               <a:rPr lang="en-US" altLang="zh-CN"/>
-              <a:t>CUBE, </a:t>
+              <a:t>Vector3.Distance</a:t>
             </a:r>
             <a:r>
               <a:rPr lang="zh-CN" altLang="en-US"/>
-              <a:t>移动一个</a:t>
+              <a:t>判断的</a:t>
             </a:r>
             <a:r>
               <a:rPr lang="en-US" altLang="zh-CN"/>
-              <a:t>”Player”</a:t>
+              <a:t>“</a:t>
             </a:r>
             <a:r>
               <a:rPr lang="zh-CN" altLang="en-US"/>
-              <a:t>对象</a:t>
+              <a:t>吃掉</a:t>
             </a:r>
             <a:r>
               <a:rPr lang="en-US" altLang="zh-CN"/>
-              <a:t>, </a:t>
-            </a:r>
+              <a:t>Cube</a:t>
+            </a:r>
+            <a:r>
+              <a:rPr lang="en-US" altLang="zh-CN"/>
+              <a:t>”</a:t>
+            </a:r>
+            <a:endParaRPr lang="en-US" altLang="zh-CN"/>
+          </a:p>
+          <a:p>
+            <a:pPr fontAlgn="auto">
+              <a:lnSpc>
+                <a:spcPct val="150000"/>
+              </a:lnSpc>
+            </a:pPr>
             <a:r>
               <a:rPr lang="zh-CN" altLang="en-US"/>
-              <a:t>当与</a:t>
+              <a:t>用</a:t>
             </a:r>
             <a:r>
               <a:rPr lang="en-US" altLang="zh-CN"/>
-              <a:t>CUBE</a:t>
+              <a:t>Cube</a:t>
             </a:r>
             <a:r>
               <a:rPr lang="zh-CN" altLang="en-US"/>
-              <a:t>发生触发时</a:t>
+              <a:t>创建一堵墙，在鼠标处朝墙</a:t>
+            </a:r>
+            <a:r>
+              <a:rPr lang="zh-CN" altLang="en-US"/>
+              <a:t>发射一颗</a:t>
             </a:r>
             <a:r>
               <a:rPr lang="en-US" altLang="zh-CN"/>
-              <a:t>, CUBE</a:t>
+              <a:t>“</a:t>
             </a:r>
             <a:r>
               <a:rPr lang="zh-CN" altLang="en-US"/>
-              <a:t>消失</a:t>
+              <a:t>子弹</a:t>
             </a:r>
             <a:r>
               <a:rPr lang="en-US" altLang="zh-CN"/>
-              <a:t>, </a:t>
+              <a:t>”</a:t>
             </a:r>
             <a:r>
               <a:rPr lang="zh-CN" altLang="en-US"/>
-              <a:t>得分加</a:t>
-            </a:r>
-            <a:r>
-              <a:rPr lang="en-US" altLang="zh-CN"/>
-              <a:t>1, </a:t>
-            </a:r>
-            <a:r>
-              <a:rPr lang="zh-CN" altLang="en-US"/>
-              <a:t>在指定时间内吃掉所有</a:t>
-            </a:r>
-            <a:r>
-              <a:rPr lang="en-US" altLang="zh-CN"/>
-              <a:t>CUBE, </a:t>
-            </a:r>
-            <a:r>
-              <a:rPr lang="zh-CN" altLang="en-US"/>
-              <a:t>游戏通关</a:t>
-            </a:r>
-            <a:r>
-              <a:rPr lang="en-US" altLang="zh-CN"/>
-              <a:t>.</a:t>
-            </a:r>
-            <a:endParaRPr lang="en-US" altLang="zh-CN"/>
-          </a:p>
-          <a:p>
-            <a:pPr fontAlgn="auto">
-              <a:lnSpc>
-                <a:spcPct val="150000"/>
-              </a:lnSpc>
-            </a:pPr>
-            <a:r>
-              <a:rPr lang="zh-CN" altLang="en-US"/>
-              <a:t>完善塔防游戏的战斗触发</a:t>
+              <a:t>击垮这堵墙</a:t>
             </a:r>
             <a:endParaRPr lang="zh-CN" altLang="en-US"/>
           </a:p>

--- a/教学课件/16.第十六课  物理系统.pptx
+++ b/教学课件/16.第十六课  物理系统.pptx
@@ -3321,7 +3321,7 @@
         <p:spPr>
           <a:xfrm>
             <a:off x="89535" y="92710"/>
-            <a:ext cx="7054215" cy="6577965"/>
+            <a:ext cx="8938895" cy="7108825"/>
           </a:xfrm>
           <a:prstGeom prst="rect">
             <a:avLst/>
@@ -3562,7 +3562,7 @@
               </a:lnSpc>
             </a:pPr>
             <a:r>
-              <a:rPr lang="zh-CN" altLang="en-US" sz="1200" b="1">
+              <a:rPr lang="zh-CN" altLang="en-US" sz="1400" b="1">
                 <a:solidFill>
                   <a:srgbClr val="FF0000"/>
                 </a:solidFill>
@@ -3570,10 +3570,10 @@
               <a:t>Interpolate </a:t>
             </a:r>
             <a:r>
-              <a:rPr lang="zh-CN" altLang="en-US" sz="1200"/>
+              <a:rPr lang="zh-CN" altLang="en-US" sz="1400"/>
               <a:t>插值，如果发现刚体移动有卡顿，可以尝试选择此选项。</a:t>
             </a:r>
-            <a:endParaRPr lang="zh-CN" altLang="en-US" sz="1200"/>
+            <a:endParaRPr lang="zh-CN" altLang="en-US" sz="1400"/>
           </a:p>
           <a:p>
             <a:pPr fontAlgn="auto">
@@ -3582,7 +3582,7 @@
               </a:lnSpc>
             </a:pPr>
             <a:r>
-              <a:rPr lang="zh-CN" altLang="en-US" sz="1200">
+              <a:rPr lang="zh-CN" altLang="en-US" sz="1400">
                 <a:solidFill>
                   <a:srgbClr val="FF0000"/>
                 </a:solidFill>
@@ -3590,10 +3590,10 @@
               <a:t>None </a:t>
             </a:r>
             <a:r>
-              <a:rPr lang="zh-CN" altLang="en-US" sz="1200"/>
+              <a:rPr lang="zh-CN" altLang="en-US" sz="1400"/>
               <a:t>不使用插值</a:t>
             </a:r>
-            <a:endParaRPr lang="zh-CN" altLang="en-US" sz="1200"/>
+            <a:endParaRPr lang="zh-CN" altLang="en-US" sz="1400"/>
           </a:p>
           <a:p>
             <a:pPr fontAlgn="auto">
@@ -3602,7 +3602,7 @@
               </a:lnSpc>
             </a:pPr>
             <a:r>
-              <a:rPr lang="zh-CN" altLang="en-US" sz="1200">
+              <a:rPr lang="zh-CN" altLang="en-US" sz="1400">
                 <a:solidFill>
                   <a:srgbClr val="FF0000"/>
                 </a:solidFill>
@@ -3610,10 +3610,10 @@
               <a:t>Interpolate </a:t>
             </a:r>
             <a:r>
-              <a:rPr lang="zh-CN" altLang="en-US" sz="1200"/>
+              <a:rPr lang="zh-CN" altLang="en-US" sz="1400"/>
               <a:t>根据上一帧的Transform进行平滑</a:t>
             </a:r>
-            <a:endParaRPr lang="zh-CN" altLang="en-US" sz="1200"/>
+            <a:endParaRPr lang="zh-CN" altLang="en-US" sz="1400"/>
           </a:p>
           <a:p>
             <a:pPr fontAlgn="auto">
@@ -3622,7 +3622,7 @@
               </a:lnSpc>
             </a:pPr>
             <a:r>
-              <a:rPr lang="zh-CN" altLang="en-US" sz="1200">
+              <a:rPr lang="zh-CN" altLang="en-US" sz="1400">
                 <a:solidFill>
                   <a:srgbClr val="FF0000"/>
                 </a:solidFill>
@@ -3630,10 +3630,10 @@
               <a:t>Extrapolate </a:t>
             </a:r>
             <a:r>
-              <a:rPr lang="zh-CN" altLang="en-US" sz="1200"/>
+              <a:rPr lang="zh-CN" altLang="en-US" sz="1400"/>
               <a:t>根据估算的下一帧的Transform进行平滑</a:t>
             </a:r>
-            <a:endParaRPr lang="zh-CN" altLang="en-US" sz="1200"/>
+            <a:endParaRPr lang="zh-CN" altLang="en-US" sz="1400"/>
           </a:p>
           <a:p>
             <a:pPr fontAlgn="auto">
@@ -3642,7 +3642,7 @@
               </a:lnSpc>
             </a:pPr>
             <a:r>
-              <a:rPr lang="zh-CN" altLang="en-US" sz="1200" b="1">
+              <a:rPr lang="zh-CN" altLang="en-US" sz="1400" b="1">
                 <a:solidFill>
                   <a:srgbClr val="FF0000"/>
                 </a:solidFill>
@@ -3650,10 +3650,10 @@
               <a:t>Collision Detection</a:t>
             </a:r>
             <a:r>
-              <a:rPr lang="zh-CN" altLang="en-US" sz="1200"/>
+              <a:rPr lang="zh-CN" altLang="en-US" sz="1400"/>
               <a:t> 碰撞检测的方式，当你的刚体快速运动时，可能会出现穿透的现象，可以设置这个选项。</a:t>
             </a:r>
-            <a:endParaRPr lang="zh-CN" altLang="en-US" sz="1200"/>
+            <a:endParaRPr lang="zh-CN" altLang="en-US" sz="1400"/>
           </a:p>
           <a:p>
             <a:pPr fontAlgn="auto">
@@ -3662,7 +3662,7 @@
               </a:lnSpc>
             </a:pPr>
             <a:r>
-              <a:rPr lang="zh-CN" altLang="en-US" sz="1200">
+              <a:rPr lang="zh-CN" altLang="en-US" sz="1400">
                 <a:solidFill>
                   <a:srgbClr val="FF0000"/>
                 </a:solidFill>
@@ -3670,10 +3670,10 @@
               <a:t>Discrete </a:t>
             </a:r>
             <a:r>
-              <a:rPr lang="zh-CN" altLang="en-US" sz="1200"/>
+              <a:rPr lang="zh-CN" altLang="en-US" sz="1400"/>
               <a:t>离散检测，性能较高，默认值</a:t>
             </a:r>
-            <a:endParaRPr lang="zh-CN" altLang="en-US" sz="1200"/>
+            <a:endParaRPr lang="zh-CN" altLang="en-US" sz="1400"/>
           </a:p>
           <a:p>
             <a:pPr fontAlgn="auto">
@@ -3682,7 +3682,7 @@
               </a:lnSpc>
             </a:pPr>
             <a:r>
-              <a:rPr lang="zh-CN" altLang="en-US" sz="1200">
+              <a:rPr lang="zh-CN" altLang="en-US" sz="1400">
                 <a:solidFill>
                   <a:srgbClr val="FF0000"/>
                 </a:solidFill>
@@ -3690,14 +3690,10 @@
               <a:t>Continuous </a:t>
             </a:r>
             <a:r>
-              <a:rPr lang="zh-CN" altLang="en-US" sz="1200"/>
-              <a:t>连续检测。</a:t>
-            </a:r>
-            <a:r>
-              <a:rPr lang="zh-CN" altLang="en-US" sz="900"/>
-              <a:t>使用此选项时，物体与其他动态Collider（刚体）使用离散检测；与其他静态Collider使用连续检测。如果其他刚体设置为了Continuous Dynamic，会使用连续检测和这个刚体进行碰撞检测。这个选项非常影响性能，如果没有快速运动物体的碰撞检测问题，保持Discrete设置</a:t>
-            </a:r>
-            <a:endParaRPr lang="zh-CN" altLang="en-US" sz="900"/>
+              <a:rPr lang="zh-CN" altLang="en-US" sz="1400"/>
+              <a:t>连续检测。使用此选项时，物体与其他动态Collider（刚体）使用离散检测；与其他静态Collider使用连续检测。如果其他刚体设置为了Continuous Dynamic，会使用连续检测和这个刚体进行碰撞检测。这个选项非常影响性能，如果没有快速运动物体的碰撞检测问题，保持Discrete设置</a:t>
+            </a:r>
+            <a:endParaRPr lang="zh-CN" altLang="en-US" sz="1400"/>
           </a:p>
           <a:p>
             <a:pPr fontAlgn="auto">
@@ -3706,7 +3702,7 @@
               </a:lnSpc>
             </a:pPr>
             <a:r>
-              <a:rPr lang="zh-CN" altLang="en-US" sz="1200">
+              <a:rPr lang="zh-CN" altLang="en-US" sz="1400">
                 <a:solidFill>
                   <a:srgbClr val="FF0000"/>
                 </a:solidFill>
@@ -3714,14 +3710,10 @@
               <a:t>Continuous Dynamic </a:t>
             </a:r>
             <a:r>
-              <a:rPr lang="zh-CN" altLang="en-US" sz="1200"/>
-              <a:t>动态连续检测。</a:t>
-            </a:r>
-            <a:r>
-              <a:rPr lang="zh-CN" altLang="en-US" sz="900"/>
-              <a:t>如果其他物体是Continuous或Continuous Dynamic，与这个物体碰撞时会使用连续检测。也会和静态Collider使用连续检测。对于其他的collider（标记为Discrete的Rigidbody）使用离散检测。。用于快速移动的物体。</a:t>
-            </a:r>
-            <a:endParaRPr lang="zh-CN" altLang="en-US" sz="900"/>
+              <a:rPr lang="zh-CN" altLang="en-US" sz="1400"/>
+              <a:t>动态连续检测。如果其他物体是Continuous或Continuous Dynamic，与这个物体碰撞时会使用连续检测。也会和静态Collider使用连续检测。对于其他的collider（标记为Discrete的Rigidbody）使用离散检测。。用于快速移动的物体。</a:t>
+            </a:r>
+            <a:endParaRPr lang="zh-CN" altLang="en-US" sz="1400"/>
           </a:p>
           <a:p>
             <a:pPr fontAlgn="auto">
@@ -3729,7 +3721,7 @@
                 <a:spcPct val="150000"/>
               </a:lnSpc>
             </a:pPr>
-            <a:endParaRPr lang="zh-CN" altLang="en-US" sz="1200"/>
+            <a:endParaRPr lang="zh-CN" altLang="en-US" sz="1400"/>
           </a:p>
         </p:txBody>
       </p:sp>
@@ -4244,7 +4236,7 @@
                   <a:srgbClr val="FF0000"/>
                 </a:solidFill>
               </a:rPr>
-              <a:t>IsSleep</a:t>
+              <a:t>IsSleeping</a:t>
             </a:r>
             <a:r>
               <a:rPr lang="en-US" altLang="zh-CN" sz="2000"/>
@@ -5380,8 +5372,8 @@
         </p:blipFill>
         <p:spPr>
           <a:xfrm>
-            <a:off x="2548255" y="502920"/>
-            <a:ext cx="7096125" cy="5429250"/>
+            <a:off x="1640205" y="86995"/>
+            <a:ext cx="8680450" cy="6771005"/>
           </a:xfrm>
           <a:prstGeom prst="rect">
             <a:avLst/>
